--- a/Capstone 2 Telcom Customer Churn/Reports/Predicting Telcom Customer Churn.pptx
+++ b/Capstone 2 Telcom Customer Churn/Reports/Predicting Telcom Customer Churn.pptx
@@ -234,7 +234,7 @@
           <a:p>
             <a:fld id="{762B48F5-BACC-47D6-A0F7-82FBF9C6BC85}" type="datetimeFigureOut">
               <a:rPr lang="en-US"/>
-              <a:t>5/28/2024</a:t>
+              <a:t>5/29/2024</a:t>
             </a:fld>
             <a:endParaRPr/>
           </a:p>
@@ -399,7 +399,7 @@
           <a:p>
             <a:fld id="{0CB1CD00-5424-4675-AB18-2C419B060449}" type="datetimeFigureOut">
               <a:rPr lang="en-US"/>
-              <a:t>5/28/2024</a:t>
+              <a:t>5/29/2024</a:t>
             </a:fld>
             <a:endParaRPr/>
           </a:p>
@@ -1044,7 +1044,7 @@
           <a:p>
             <a:fld id="{37CC0096-1860-4642-9CD2-0079EA5E7CD1}" type="datetimeFigureOut">
               <a:rPr lang="en-US" smtClean="0"/>
-              <a:t>5/28/2024</a:t>
+              <a:t>5/29/2024</a:t>
             </a:fld>
             <a:endParaRPr lang="en-US"/>
           </a:p>
@@ -1223,7 +1223,7 @@
           <a:p>
             <a:fld id="{37CC0096-1860-4642-9CD2-0079EA5E7CD1}" type="datetimeFigureOut">
               <a:rPr lang="en-US" smtClean="0"/>
-              <a:t>5/28/2024</a:t>
+              <a:t>5/29/2024</a:t>
             </a:fld>
             <a:endParaRPr lang="en-US"/>
           </a:p>
@@ -1396,7 +1396,7 @@
           <a:p>
             <a:fld id="{37CC0096-1860-4642-9CD2-0079EA5E7CD1}" type="datetimeFigureOut">
               <a:rPr lang="en-US" smtClean="0"/>
-              <a:t>5/28/2024</a:t>
+              <a:t>5/29/2024</a:t>
             </a:fld>
             <a:endParaRPr lang="en-US"/>
           </a:p>
@@ -1829,7 +1829,7 @@
           <a:p>
             <a:fld id="{37CC0096-1860-4642-9CD2-0079EA5E7CD1}" type="datetimeFigureOut">
               <a:rPr lang="en-US" smtClean="0"/>
-              <a:t>5/28/2024</a:t>
+              <a:t>5/29/2024</a:t>
             </a:fld>
             <a:endParaRPr lang="en-US"/>
           </a:p>
@@ -2268,7 +2268,7 @@
           <a:p>
             <a:fld id="{37CC0096-1860-4642-9CD2-0079EA5E7CD1}" type="datetimeFigureOut">
               <a:rPr lang="en-US" smtClean="0"/>
-              <a:t>5/28/2024</a:t>
+              <a:t>5/29/2024</a:t>
             </a:fld>
             <a:endParaRPr lang="en-US"/>
           </a:p>
@@ -2385,7 +2385,7 @@
           <a:p>
             <a:fld id="{37CC0096-1860-4642-9CD2-0079EA5E7CD1}" type="datetimeFigureOut">
               <a:rPr lang="en-US" smtClean="0"/>
-              <a:t>5/28/2024</a:t>
+              <a:t>5/29/2024</a:t>
             </a:fld>
             <a:endParaRPr lang="en-US"/>
           </a:p>
@@ -2480,7 +2480,7 @@
           <a:p>
             <a:fld id="{37CC0096-1860-4642-9CD2-0079EA5E7CD1}" type="datetimeFigureOut">
               <a:rPr lang="en-US" smtClean="0"/>
-              <a:t>5/28/2024</a:t>
+              <a:t>5/29/2024</a:t>
             </a:fld>
             <a:endParaRPr lang="en-US"/>
           </a:p>
@@ -2764,7 +2764,7 @@
           <a:p>
             <a:fld id="{37CC0096-1860-4642-9CD2-0079EA5E7CD1}" type="datetimeFigureOut">
               <a:rPr lang="en-US" smtClean="0"/>
-              <a:t>5/28/2024</a:t>
+              <a:t>5/29/2024</a:t>
             </a:fld>
             <a:endParaRPr lang="en-US"/>
           </a:p>
@@ -3075,7 +3075,7 @@
           <a:p>
             <a:fld id="{37CC0096-1860-4642-9CD2-0079EA5E7CD1}" type="datetimeFigureOut">
               <a:rPr lang="en-US" smtClean="0"/>
-              <a:t>5/28/2024</a:t>
+              <a:t>5/29/2024</a:t>
             </a:fld>
             <a:endParaRPr lang="en-US"/>
           </a:p>
@@ -3307,7 +3307,7 @@
             <a:fld id="{37CC0096-1860-4642-9CD2-0079EA5E7CD1}" type="datetimeFigureOut">
               <a:rPr lang="en-US" smtClean="0"/>
               <a:pPr/>
-              <a:t>5/28/2024</a:t>
+              <a:t>5/29/2024</a:t>
             </a:fld>
             <a:endParaRPr lang="en-US"/>
           </a:p>
@@ -4753,7 +4753,7 @@
                 <a:ea typeface="+mj-ea"/>
                 <a:cs typeface="+mj-cs"/>
               </a:rPr>
-              <a:t>Confusion Matrix for ENT</a:t>
+              <a:t>Confusion Matrix</a:t>
             </a:r>
           </a:p>
         </p:txBody>
@@ -4799,7 +4799,7 @@
               <a:buChar char="•"/>
             </a:pPr>
             <a:r>
-              <a:rPr lang="en-US" sz="1700">
+              <a:rPr lang="en-US" sz="1700" dirty="0">
                 <a:solidFill>
                   <a:schemeClr val="tx1">
                     <a:lumMod val="85000"/>
@@ -4823,7 +4823,7 @@
               <a:buFont typeface="Arial" pitchFamily="34" charset="0"/>
               <a:buChar char="•"/>
             </a:pPr>
-            <a:endParaRPr lang="en-US" sz="1700">
+            <a:endParaRPr lang="en-US" sz="1700" dirty="0">
               <a:solidFill>
                 <a:schemeClr val="tx1">
                   <a:lumMod val="85000"/>
@@ -4846,7 +4846,7 @@
               <a:buChar char="•"/>
             </a:pPr>
             <a:r>
-              <a:rPr lang="en-US" sz="1700">
+              <a:rPr lang="en-US" sz="1700" dirty="0">
                 <a:solidFill>
                   <a:schemeClr val="tx1">
                     <a:lumMod val="85000"/>
@@ -4870,7 +4870,7 @@
               <a:buFont typeface="Arial" pitchFamily="34" charset="0"/>
               <a:buChar char="•"/>
             </a:pPr>
-            <a:endParaRPr lang="en-US" sz="1700">
+            <a:endParaRPr lang="en-US" sz="1700" dirty="0">
               <a:solidFill>
                 <a:schemeClr val="tx1">
                   <a:lumMod val="85000"/>
@@ -4893,7 +4893,7 @@
               <a:buChar char="•"/>
             </a:pPr>
             <a:r>
-              <a:rPr lang="en-US" sz="1700">
+              <a:rPr lang="en-US" sz="1700" dirty="0">
                 <a:solidFill>
                   <a:schemeClr val="tx1">
                     <a:lumMod val="85000"/>
@@ -4917,7 +4917,7 @@
               <a:buFont typeface="Arial" pitchFamily="34" charset="0"/>
               <a:buChar char="•"/>
             </a:pPr>
-            <a:endParaRPr lang="en-US" sz="1700">
+            <a:endParaRPr lang="en-US" sz="1700" dirty="0">
               <a:solidFill>
                 <a:schemeClr val="tx1">
                   <a:lumMod val="85000"/>
@@ -4939,7 +4939,7 @@
               <a:buFont typeface="Arial" pitchFamily="34" charset="0"/>
               <a:buChar char="•"/>
             </a:pPr>
-            <a:endParaRPr lang="en-US" sz="1700" b="0" i="0">
+            <a:endParaRPr lang="en-US" sz="1700" b="0" i="0" dirty="0">
               <a:solidFill>
                 <a:schemeClr val="tx1">
                   <a:lumMod val="85000"/>
@@ -5035,14 +5035,21 @@
         </p:spPr>
         <p:txBody>
           <a:bodyPr>
-            <a:normAutofit/>
+            <a:normAutofit fontScale="90000"/>
           </a:bodyPr>
           <a:lstStyle/>
           <a:p>
             <a:pPr algn="ctr"/>
             <a:r>
               <a:rPr lang="en-US" sz="4400" b="1" dirty="0"/>
-              <a:t>Appendix</a:t>
+              <a:t>Appendix: </a:t>
+            </a:r>
+            <a:br>
+              <a:rPr lang="en-US" sz="4400" b="1" dirty="0"/>
+            </a:br>
+            <a:r>
+              <a:rPr lang="en-US" sz="4400" b="1" dirty="0"/>
+              <a:t>Columns and definitions</a:t>
             </a:r>
           </a:p>
         </p:txBody>
@@ -8865,7 +8872,7 @@
                 <a:ea typeface="Verdana" panose="020B0604030504040204" pitchFamily="34" charset="0"/>
                 <a:cs typeface="Verdana" panose="020B0604030504040204" pitchFamily="34" charset="0"/>
               </a:rPr>
-              <a:t>Appendix</a:t>
+              <a:t>Appendix: Columns and definitions</a:t>
             </a:r>
             <a:endParaRPr dirty="0">
               <a:latin typeface="Verdana" panose="020B0604030504040204" pitchFamily="34" charset="0"/>
